--- a/plots/fragments_naprore_fig.pptx
+++ b/plots/fragments_naprore_fig.pptx
@@ -112,16 +112,136 @@
 </p:presentation>
 </file>
 
-<file path=ppt/revisionInfo.xml><?xml version="1.0" encoding="utf-8"?>
-<p1510:revInfo xmlns:a="http://schemas.openxmlformats.org/drawingml/2006/main" xmlns:r="http://schemas.openxmlformats.org/officeDocument/2006/relationships" xmlns:p1510="http://schemas.microsoft.com/office/powerpoint/2015/10/main">
-  <p1510:revLst>
-    <p1510:client id="{234BC62C-0013-439F-B52E-92FF0A60BBAE}" v="29" dt="2024-09-24T15:03:18.070"/>
-  </p1510:revLst>
-</p1510:revInfo>
-</file>
-
 <file path=ppt/changesInfos/changesInfo1.xml><?xml version="1.0" encoding="utf-8"?>
 <pc:chgInfo xmlns:a="http://schemas.openxmlformats.org/drawingml/2006/main" xmlns:r="http://schemas.openxmlformats.org/officeDocument/2006/relationships" xmlns:ac="http://schemas.microsoft.com/office/drawing/2013/main/command" xmlns:pc="http://schemas.microsoft.com/office/powerpoint/2013/main/command">
+  <pc:docChgLst>
+    <pc:chgData name="Esteban Bertsch Aguilar" userId="71b207a4-b038-43fb-8f14-d74467f0b620" providerId="ADAL" clId="{5D59426C-6BF5-483E-A29F-346809A747C8}"/>
+    <pc:docChg chg="undo custSel modSld">
+      <pc:chgData name="Esteban Bertsch Aguilar" userId="71b207a4-b038-43fb-8f14-d74467f0b620" providerId="ADAL" clId="{5D59426C-6BF5-483E-A29F-346809A747C8}" dt="2024-10-15T17:39:32.355" v="41" actId="207"/>
+      <pc:docMkLst>
+        <pc:docMk/>
+      </pc:docMkLst>
+      <pc:sldChg chg="modSp mod">
+        <pc:chgData name="Esteban Bertsch Aguilar" userId="71b207a4-b038-43fb-8f14-d74467f0b620" providerId="ADAL" clId="{5D59426C-6BF5-483E-A29F-346809A747C8}" dt="2024-10-15T17:39:32.355" v="41" actId="207"/>
+        <pc:sldMkLst>
+          <pc:docMk/>
+          <pc:sldMk cId="712918024" sldId="256"/>
+        </pc:sldMkLst>
+        <pc:spChg chg="mod">
+          <ac:chgData name="Esteban Bertsch Aguilar" userId="71b207a4-b038-43fb-8f14-d74467f0b620" providerId="ADAL" clId="{5D59426C-6BF5-483E-A29F-346809A747C8}" dt="2024-10-15T17:39:32.355" v="41" actId="207"/>
+          <ac:spMkLst>
+            <pc:docMk/>
+            <pc:sldMk cId="712918024" sldId="256"/>
+            <ac:spMk id="9" creationId="{AFEBD982-7712-2E72-2E31-BCD06784AEF4}"/>
+          </ac:spMkLst>
+        </pc:spChg>
+        <pc:spChg chg="mod">
+          <ac:chgData name="Esteban Bertsch Aguilar" userId="71b207a4-b038-43fb-8f14-d74467f0b620" providerId="ADAL" clId="{5D59426C-6BF5-483E-A29F-346809A747C8}" dt="2024-10-15T17:39:28.759" v="40" actId="207"/>
+          <ac:spMkLst>
+            <pc:docMk/>
+            <pc:sldMk cId="712918024" sldId="256"/>
+            <ac:spMk id="10" creationId="{B98633E0-1B1B-F97E-D5FC-44E8BEE0EDD4}"/>
+          </ac:spMkLst>
+        </pc:spChg>
+        <pc:spChg chg="mod">
+          <ac:chgData name="Esteban Bertsch Aguilar" userId="71b207a4-b038-43fb-8f14-d74467f0b620" providerId="ADAL" clId="{5D59426C-6BF5-483E-A29F-346809A747C8}" dt="2024-10-15T17:38:08.935" v="16" actId="207"/>
+          <ac:spMkLst>
+            <pc:docMk/>
+            <pc:sldMk cId="712918024" sldId="256"/>
+            <ac:spMk id="11" creationId="{C5D6A778-1E78-F5ED-409C-19E8AC6764CC}"/>
+          </ac:spMkLst>
+        </pc:spChg>
+        <pc:spChg chg="mod">
+          <ac:chgData name="Esteban Bertsch Aguilar" userId="71b207a4-b038-43fb-8f14-d74467f0b620" providerId="ADAL" clId="{5D59426C-6BF5-483E-A29F-346809A747C8}" dt="2024-10-15T17:38:03.329" v="15" actId="207"/>
+          <ac:spMkLst>
+            <pc:docMk/>
+            <pc:sldMk cId="712918024" sldId="256"/>
+            <ac:spMk id="14" creationId="{966460BC-E24E-19BF-AC92-F8DB39FF2C4E}"/>
+          </ac:spMkLst>
+        </pc:spChg>
+        <pc:spChg chg="mod">
+          <ac:chgData name="Esteban Bertsch Aguilar" userId="71b207a4-b038-43fb-8f14-d74467f0b620" providerId="ADAL" clId="{5D59426C-6BF5-483E-A29F-346809A747C8}" dt="2024-10-15T17:39:23.790" v="38" actId="207"/>
+          <ac:spMkLst>
+            <pc:docMk/>
+            <pc:sldMk cId="712918024" sldId="256"/>
+            <ac:spMk id="16" creationId="{9D410BEC-C453-C9D7-A0D9-84569296D073}"/>
+          </ac:spMkLst>
+        </pc:spChg>
+        <pc:spChg chg="mod">
+          <ac:chgData name="Esteban Bertsch Aguilar" userId="71b207a4-b038-43fb-8f14-d74467f0b620" providerId="ADAL" clId="{5D59426C-6BF5-483E-A29F-346809A747C8}" dt="2024-10-15T17:39:26.330" v="39" actId="207"/>
+          <ac:spMkLst>
+            <pc:docMk/>
+            <pc:sldMk cId="712918024" sldId="256"/>
+            <ac:spMk id="18" creationId="{143F7CA0-7BA7-47EA-771D-B4E566068308}"/>
+          </ac:spMkLst>
+        </pc:spChg>
+        <pc:spChg chg="mod">
+          <ac:chgData name="Esteban Bertsch Aguilar" userId="71b207a4-b038-43fb-8f14-d74467f0b620" providerId="ADAL" clId="{5D59426C-6BF5-483E-A29F-346809A747C8}" dt="2024-10-15T17:37:58.379" v="14" actId="207"/>
+          <ac:spMkLst>
+            <pc:docMk/>
+            <pc:sldMk cId="712918024" sldId="256"/>
+            <ac:spMk id="19" creationId="{E01674BB-08CF-34A5-15FF-D4848415145F}"/>
+          </ac:spMkLst>
+        </pc:spChg>
+        <pc:spChg chg="mod">
+          <ac:chgData name="Esteban Bertsch Aguilar" userId="71b207a4-b038-43fb-8f14-d74467f0b620" providerId="ADAL" clId="{5D59426C-6BF5-483E-A29F-346809A747C8}" dt="2024-10-15T17:37:51.940" v="13" actId="207"/>
+          <ac:spMkLst>
+            <pc:docMk/>
+            <pc:sldMk cId="712918024" sldId="256"/>
+            <ac:spMk id="20" creationId="{536DF511-D2E9-5946-6D7D-1B58601EB566}"/>
+          </ac:spMkLst>
+        </pc:spChg>
+        <pc:spChg chg="mod">
+          <ac:chgData name="Esteban Bertsch Aguilar" userId="71b207a4-b038-43fb-8f14-d74467f0b620" providerId="ADAL" clId="{5D59426C-6BF5-483E-A29F-346809A747C8}" dt="2024-10-15T17:39:20.751" v="37" actId="207"/>
+          <ac:spMkLst>
+            <pc:docMk/>
+            <pc:sldMk cId="712918024" sldId="256"/>
+            <ac:spMk id="23" creationId="{330B9E46-D244-9304-DCA3-5E38E128819F}"/>
+          </ac:spMkLst>
+        </pc:spChg>
+        <pc:spChg chg="mod">
+          <ac:chgData name="Esteban Bertsch Aguilar" userId="71b207a4-b038-43fb-8f14-d74467f0b620" providerId="ADAL" clId="{5D59426C-6BF5-483E-A29F-346809A747C8}" dt="2024-10-15T17:37:46.717" v="12" actId="207"/>
+          <ac:spMkLst>
+            <pc:docMk/>
+            <pc:sldMk cId="712918024" sldId="256"/>
+            <ac:spMk id="24" creationId="{29D11DB6-A8D9-F9C8-B97F-CE5BE6842E90}"/>
+          </ac:spMkLst>
+        </pc:spChg>
+        <pc:spChg chg="mod">
+          <ac:chgData name="Esteban Bertsch Aguilar" userId="71b207a4-b038-43fb-8f14-d74467f0b620" providerId="ADAL" clId="{5D59426C-6BF5-483E-A29F-346809A747C8}" dt="2024-10-15T17:39:16.800" v="36" actId="207"/>
+          <ac:spMkLst>
+            <pc:docMk/>
+            <pc:sldMk cId="712918024" sldId="256"/>
+            <ac:spMk id="27" creationId="{2EEF93C6-1FFE-0413-4DF8-1C90B357DDDB}"/>
+          </ac:spMkLst>
+        </pc:spChg>
+        <pc:spChg chg="mod">
+          <ac:chgData name="Esteban Bertsch Aguilar" userId="71b207a4-b038-43fb-8f14-d74467f0b620" providerId="ADAL" clId="{5D59426C-6BF5-483E-A29F-346809A747C8}" dt="2024-10-15T17:37:40.157" v="11" actId="207"/>
+          <ac:spMkLst>
+            <pc:docMk/>
+            <pc:sldMk cId="712918024" sldId="256"/>
+            <ac:spMk id="28" creationId="{0C426D85-04BC-D984-4DCA-F8E37FBE98BD}"/>
+          </ac:spMkLst>
+        </pc:spChg>
+        <pc:spChg chg="mod">
+          <ac:chgData name="Esteban Bertsch Aguilar" userId="71b207a4-b038-43fb-8f14-d74467f0b620" providerId="ADAL" clId="{5D59426C-6BF5-483E-A29F-346809A747C8}" dt="2024-10-15T17:39:09.813" v="35" actId="207"/>
+          <ac:spMkLst>
+            <pc:docMk/>
+            <pc:sldMk cId="712918024" sldId="256"/>
+            <ac:spMk id="31" creationId="{42261514-7129-9845-6314-ECE1D3CC1180}"/>
+          </ac:spMkLst>
+        </pc:spChg>
+        <pc:spChg chg="mod">
+          <ac:chgData name="Esteban Bertsch Aguilar" userId="71b207a4-b038-43fb-8f14-d74467f0b620" providerId="ADAL" clId="{5D59426C-6BF5-483E-A29F-346809A747C8}" dt="2024-10-15T17:37:35.188" v="10" actId="207"/>
+          <ac:spMkLst>
+            <pc:docMk/>
+            <pc:sldMk cId="712918024" sldId="256"/>
+            <ac:spMk id="32" creationId="{3E55B32E-31F6-F65C-0E2D-9D4DE99B02CD}"/>
+          </ac:spMkLst>
+        </pc:spChg>
+      </pc:sldChg>
+    </pc:docChg>
+  </pc:docChgLst>
   <pc:docChgLst>
     <pc:chgData name="Esteban Bertsch Aguilar" userId="71b207a4-b038-43fb-8f14-d74467f0b620" providerId="ADAL" clId="{234BC62C-0013-439F-B52E-92FF0A60BBAE}"/>
     <pc:docChg chg="undo custSel modSld modMainMaster">
@@ -1318,7 +1438,7 @@
           <a:p>
             <a:fld id="{A6650AC2-80A8-4E65-B575-81D96F505D22}" type="datetimeFigureOut">
               <a:rPr lang="en-US" smtClean="0"/>
-              <a:t>10/2/24</a:t>
+              <a:t>10/15/2024</a:t>
             </a:fld>
             <a:endParaRPr lang="en-US"/>
           </a:p>
@@ -1488,7 +1608,7 @@
           <a:p>
             <a:fld id="{A6650AC2-80A8-4E65-B575-81D96F505D22}" type="datetimeFigureOut">
               <a:rPr lang="en-US" smtClean="0"/>
-              <a:t>10/2/24</a:t>
+              <a:t>10/15/2024</a:t>
             </a:fld>
             <a:endParaRPr lang="en-US"/>
           </a:p>
@@ -1668,7 +1788,7 @@
           <a:p>
             <a:fld id="{A6650AC2-80A8-4E65-B575-81D96F505D22}" type="datetimeFigureOut">
               <a:rPr lang="en-US" smtClean="0"/>
-              <a:t>10/2/24</a:t>
+              <a:t>10/15/2024</a:t>
             </a:fld>
             <a:endParaRPr lang="en-US"/>
           </a:p>
@@ -1838,7 +1958,7 @@
           <a:p>
             <a:fld id="{A6650AC2-80A8-4E65-B575-81D96F505D22}" type="datetimeFigureOut">
               <a:rPr lang="en-US" smtClean="0"/>
-              <a:t>10/2/24</a:t>
+              <a:t>10/15/2024</a:t>
             </a:fld>
             <a:endParaRPr lang="en-US"/>
           </a:p>
@@ -2084,7 +2204,7 @@
           <a:p>
             <a:fld id="{A6650AC2-80A8-4E65-B575-81D96F505D22}" type="datetimeFigureOut">
               <a:rPr lang="en-US" smtClean="0"/>
-              <a:t>10/2/24</a:t>
+              <a:t>10/15/2024</a:t>
             </a:fld>
             <a:endParaRPr lang="en-US"/>
           </a:p>
@@ -2316,7 +2436,7 @@
           <a:p>
             <a:fld id="{A6650AC2-80A8-4E65-B575-81D96F505D22}" type="datetimeFigureOut">
               <a:rPr lang="en-US" smtClean="0"/>
-              <a:t>10/2/24</a:t>
+              <a:t>10/15/2024</a:t>
             </a:fld>
             <a:endParaRPr lang="en-US"/>
           </a:p>
@@ -2683,7 +2803,7 @@
           <a:p>
             <a:fld id="{A6650AC2-80A8-4E65-B575-81D96F505D22}" type="datetimeFigureOut">
               <a:rPr lang="en-US" smtClean="0"/>
-              <a:t>10/2/24</a:t>
+              <a:t>10/15/2024</a:t>
             </a:fld>
             <a:endParaRPr lang="en-US"/>
           </a:p>
@@ -2801,7 +2921,7 @@
           <a:p>
             <a:fld id="{A6650AC2-80A8-4E65-B575-81D96F505D22}" type="datetimeFigureOut">
               <a:rPr lang="en-US" smtClean="0"/>
-              <a:t>10/2/24</a:t>
+              <a:t>10/15/2024</a:t>
             </a:fld>
             <a:endParaRPr lang="en-US"/>
           </a:p>
@@ -2896,7 +3016,7 @@
           <a:p>
             <a:fld id="{A6650AC2-80A8-4E65-B575-81D96F505D22}" type="datetimeFigureOut">
               <a:rPr lang="en-US" smtClean="0"/>
-              <a:t>10/2/24</a:t>
+              <a:t>10/15/2024</a:t>
             </a:fld>
             <a:endParaRPr lang="en-US"/>
           </a:p>
@@ -3173,7 +3293,7 @@
           <a:p>
             <a:fld id="{A6650AC2-80A8-4E65-B575-81D96F505D22}" type="datetimeFigureOut">
               <a:rPr lang="en-US" smtClean="0"/>
-              <a:t>10/2/24</a:t>
+              <a:t>10/15/2024</a:t>
             </a:fld>
             <a:endParaRPr lang="en-US"/>
           </a:p>
@@ -3430,7 +3550,7 @@
           <a:p>
             <a:fld id="{A6650AC2-80A8-4E65-B575-81D96F505D22}" type="datetimeFigureOut">
               <a:rPr lang="en-US" smtClean="0"/>
-              <a:t>10/2/24</a:t>
+              <a:t>10/15/2024</a:t>
             </a:fld>
             <a:endParaRPr lang="en-US"/>
           </a:p>
@@ -3643,7 +3763,7 @@
           <a:p>
             <a:fld id="{A6650AC2-80A8-4E65-B575-81D96F505D22}" type="datetimeFigureOut">
               <a:rPr lang="en-US" smtClean="0"/>
-              <a:t>10/2/24</a:t>
+              <a:t>10/15/2024</a:t>
             </a:fld>
             <a:endParaRPr lang="en-US"/>
           </a:p>
@@ -4105,7 +4225,9 @@
             <a:avLst/>
           </a:prstGeom>
           <a:solidFill>
-            <a:srgbClr val="C1F1C8"/>
+            <a:srgbClr val="F8766D">
+              <a:alpha val="16000"/>
+            </a:srgbClr>
           </a:solidFill>
           <a:ln>
             <a:noFill/>
@@ -4164,7 +4286,9 @@
             <a:avLst/>
           </a:prstGeom>
           <a:solidFill>
-            <a:srgbClr val="EBFAFF"/>
+            <a:srgbClr val="C49A00">
+              <a:alpha val="16000"/>
+            </a:srgbClr>
           </a:solidFill>
           <a:ln>
             <a:noFill/>
@@ -4230,7 +4354,9 @@
             <a:avLst/>
           </a:prstGeom>
           <a:solidFill>
-            <a:srgbClr val="FDF3ED"/>
+            <a:srgbClr val="53B400">
+              <a:alpha val="16000"/>
+            </a:srgbClr>
           </a:solidFill>
           <a:ln>
             <a:noFill/>
@@ -4289,7 +4415,9 @@
             <a:avLst/>
           </a:prstGeom>
           <a:solidFill>
-            <a:srgbClr val="FEFBF4"/>
+            <a:srgbClr val="00C094">
+              <a:alpha val="16000"/>
+            </a:srgbClr>
           </a:solidFill>
           <a:ln>
             <a:noFill/>
@@ -4348,9 +4476,9 @@
             <a:avLst/>
           </a:prstGeom>
           <a:solidFill>
-            <a:schemeClr val="bg1">
-              <a:lumMod val="95000"/>
-            </a:schemeClr>
+            <a:srgbClr val="FB61D7">
+              <a:alpha val="16000"/>
+            </a:srgbClr>
           </a:solidFill>
           <a:ln>
             <a:noFill/>
@@ -4409,7 +4537,9 @@
             <a:avLst/>
           </a:prstGeom>
           <a:solidFill>
-            <a:srgbClr val="F0FAEC"/>
+            <a:srgbClr val="A58AFF">
+              <a:alpha val="16000"/>
+            </a:srgbClr>
           </a:solidFill>
           <a:ln>
             <a:noFill/>
@@ -4484,10 +4614,7 @@
             <a:r>
               <a:rPr lang="es-MX" sz="3200" b="1" dirty="0" err="1">
                 <a:solidFill>
-                  <a:schemeClr val="tx1">
-                    <a:lumMod val="75000"/>
-                    <a:lumOff val="25000"/>
-                  </a:schemeClr>
+                  <a:srgbClr val="FB61D7"/>
                 </a:solidFill>
                 <a:latin typeface="Open Sans" panose="020B0606030504020204" pitchFamily="34" charset="0"/>
                 <a:ea typeface="Open Sans" panose="020B0606030504020204" pitchFamily="34" charset="0"/>
@@ -4497,10 +4624,7 @@
             </a:r>
             <a:endParaRPr lang="en-US" sz="3200" b="1" dirty="0">
               <a:solidFill>
-                <a:schemeClr val="tx1">
-                  <a:lumMod val="75000"/>
-                  <a:lumOff val="25000"/>
-                </a:schemeClr>
+                <a:srgbClr val="FB61D7"/>
               </a:solidFill>
               <a:latin typeface="Open Sans" panose="020B0606030504020204" pitchFamily="34" charset="0"/>
               <a:ea typeface="Open Sans" panose="020B0606030504020204" pitchFamily="34" charset="0"/>
@@ -4546,9 +4670,7 @@
             <a:r>
               <a:rPr lang="es-MX" sz="3600" b="1" dirty="0" err="1">
                 <a:solidFill>
-                  <a:schemeClr val="accent6">
-                    <a:lumMod val="50000"/>
-                  </a:schemeClr>
+                  <a:srgbClr val="A58AFF"/>
                 </a:solidFill>
                 <a:latin typeface="Open Sans" panose="020B0606030504020204" pitchFamily="34" charset="0"/>
                 <a:ea typeface="Open Sans" panose="020B0606030504020204" pitchFamily="34" charset="0"/>
@@ -4559,9 +4681,7 @@
             <a:r>
               <a:rPr lang="es-MX" sz="3600" b="1" dirty="0">
                 <a:solidFill>
-                  <a:schemeClr val="accent6">
-                    <a:lumMod val="50000"/>
-                  </a:schemeClr>
+                  <a:srgbClr val="A58AFF"/>
                 </a:solidFill>
                 <a:latin typeface="Open Sans" panose="020B0606030504020204" pitchFamily="34" charset="0"/>
                 <a:ea typeface="Open Sans" panose="020B0606030504020204" pitchFamily="34" charset="0"/>
@@ -4572,9 +4692,7 @@
             <a:r>
               <a:rPr lang="es-MX" sz="3600" b="1" dirty="0" err="1">
                 <a:solidFill>
-                  <a:schemeClr val="accent6">
-                    <a:lumMod val="50000"/>
-                  </a:schemeClr>
+                  <a:srgbClr val="A58AFF"/>
                 </a:solidFill>
                 <a:latin typeface="Open Sans" panose="020B0606030504020204" pitchFamily="34" charset="0"/>
                 <a:ea typeface="Open Sans" panose="020B0606030504020204" pitchFamily="34" charset="0"/>
@@ -4584,9 +4702,7 @@
             </a:r>
             <a:endParaRPr lang="en-US" sz="3600" b="1" dirty="0">
               <a:solidFill>
-                <a:schemeClr val="accent6">
-                  <a:lumMod val="50000"/>
-                </a:schemeClr>
+                <a:srgbClr val="A58AFF"/>
               </a:solidFill>
               <a:latin typeface="Open Sans" panose="020B0606030504020204" pitchFamily="34" charset="0"/>
               <a:ea typeface="Open Sans" panose="020B0606030504020204" pitchFamily="34" charset="0"/>
@@ -4616,7 +4732,9 @@
             <a:avLst/>
           </a:prstGeom>
           <a:solidFill>
-            <a:srgbClr val="F9EEFC"/>
+            <a:srgbClr val="00B6EB">
+              <a:alpha val="16000"/>
+            </a:srgbClr>
           </a:solidFill>
           <a:ln>
             <a:noFill/>
@@ -4691,7 +4809,7 @@
             <a:r>
               <a:rPr lang="es-MX" sz="3200" b="1" dirty="0" err="1">
                 <a:solidFill>
-                  <a:srgbClr val="641579"/>
+                  <a:srgbClr val="00B6EB"/>
                 </a:solidFill>
                 <a:latin typeface="Open Sans" panose="020B0606030504020204" pitchFamily="34" charset="0"/>
                 <a:ea typeface="Open Sans" panose="020B0606030504020204" pitchFamily="34" charset="0"/>
@@ -4701,7 +4819,7 @@
             </a:r>
             <a:endParaRPr lang="en-US" sz="3200" b="1" dirty="0">
               <a:solidFill>
-                <a:srgbClr val="641579"/>
+                <a:srgbClr val="00B6EB"/>
               </a:solidFill>
               <a:latin typeface="Open Sans" panose="020B0606030504020204" pitchFamily="34" charset="0"/>
               <a:ea typeface="Open Sans" panose="020B0606030504020204" pitchFamily="34" charset="0"/>
@@ -4891,7 +5009,7 @@
             <a:r>
               <a:rPr lang="es-MX" sz="3200" b="1" dirty="0" err="1">
                 <a:solidFill>
-                  <a:srgbClr val="BF8911"/>
+                  <a:srgbClr val="00C094"/>
                 </a:solidFill>
                 <a:latin typeface="Open Sans" panose="020B0606030504020204" pitchFamily="34" charset="0"/>
                 <a:ea typeface="Open Sans" panose="020B0606030504020204" pitchFamily="34" charset="0"/>
@@ -4901,7 +5019,7 @@
             </a:r>
             <a:endParaRPr lang="en-US" sz="3200" b="1" dirty="0">
               <a:solidFill>
-                <a:srgbClr val="BF8911"/>
+                <a:srgbClr val="00C094"/>
               </a:solidFill>
               <a:latin typeface="Open Sans" panose="020B0606030504020204" pitchFamily="34" charset="0"/>
               <a:ea typeface="Open Sans" panose="020B0606030504020204" pitchFamily="34" charset="0"/>
@@ -4983,9 +5101,7 @@
             <a:r>
               <a:rPr lang="es-MX" sz="3200" b="1" dirty="0" err="1">
                 <a:solidFill>
-                  <a:schemeClr val="accent2">
-                    <a:lumMod val="50000"/>
-                  </a:schemeClr>
+                  <a:srgbClr val="53B400"/>
                 </a:solidFill>
                 <a:latin typeface="Open Sans" panose="020B0606030504020204" pitchFamily="34" charset="0"/>
                 <a:ea typeface="Open Sans" panose="020B0606030504020204" pitchFamily="34" charset="0"/>
@@ -4996,9 +5112,7 @@
             <a:r>
               <a:rPr lang="es-MX" sz="3200" b="1" dirty="0">
                 <a:solidFill>
-                  <a:schemeClr val="accent2">
-                    <a:lumMod val="50000"/>
-                  </a:schemeClr>
+                  <a:srgbClr val="53B400"/>
                 </a:solidFill>
                 <a:latin typeface="Open Sans" panose="020B0606030504020204" pitchFamily="34" charset="0"/>
                 <a:ea typeface="Open Sans" panose="020B0606030504020204" pitchFamily="34" charset="0"/>
@@ -5009,9 +5123,7 @@
             <a:r>
               <a:rPr lang="es-MX" sz="3200" b="1" dirty="0" err="1">
                 <a:solidFill>
-                  <a:schemeClr val="accent2">
-                    <a:lumMod val="50000"/>
-                  </a:schemeClr>
+                  <a:srgbClr val="53B400"/>
                 </a:solidFill>
                 <a:latin typeface="Open Sans" panose="020B0606030504020204" pitchFamily="34" charset="0"/>
                 <a:ea typeface="Open Sans" panose="020B0606030504020204" pitchFamily="34" charset="0"/>
@@ -5021,9 +5133,7 @@
             </a:r>
             <a:endParaRPr lang="en-US" sz="3200" b="1" dirty="0">
               <a:solidFill>
-                <a:schemeClr val="accent2">
-                  <a:lumMod val="50000"/>
-                </a:schemeClr>
+                <a:srgbClr val="53B400"/>
               </a:solidFill>
               <a:latin typeface="Open Sans" panose="020B0606030504020204" pitchFamily="34" charset="0"/>
               <a:ea typeface="Open Sans" panose="020B0606030504020204" pitchFamily="34" charset="0"/>
@@ -5105,10 +5215,7 @@
             <a:r>
               <a:rPr lang="es-MX" sz="3600" b="1" dirty="0">
                 <a:solidFill>
-                  <a:schemeClr val="tx2">
-                    <a:lumMod val="90000"/>
-                    <a:lumOff val="10000"/>
-                  </a:schemeClr>
+                  <a:srgbClr val="C49A00"/>
                 </a:solidFill>
                 <a:latin typeface="Open Sans" panose="020B0606030504020204" pitchFamily="34" charset="0"/>
                 <a:ea typeface="Open Sans" panose="020B0606030504020204" pitchFamily="34" charset="0"/>
@@ -5119,10 +5226,7 @@
             <a:r>
               <a:rPr lang="es-MX" sz="3600" b="1" dirty="0" err="1">
                 <a:solidFill>
-                  <a:schemeClr val="tx2">
-                    <a:lumMod val="90000"/>
-                    <a:lumOff val="10000"/>
-                  </a:schemeClr>
+                  <a:srgbClr val="C49A00"/>
                 </a:solidFill>
                 <a:latin typeface="Open Sans" panose="020B0606030504020204" pitchFamily="34" charset="0"/>
                 <a:ea typeface="Open Sans" panose="020B0606030504020204" pitchFamily="34" charset="0"/>
@@ -5133,10 +5237,7 @@
             <a:r>
               <a:rPr lang="es-MX" sz="3600" b="1" dirty="0">
                 <a:solidFill>
-                  <a:schemeClr val="tx2">
-                    <a:lumMod val="90000"/>
-                    <a:lumOff val="10000"/>
-                  </a:schemeClr>
+                  <a:srgbClr val="C49A00"/>
                 </a:solidFill>
                 <a:latin typeface="Open Sans" panose="020B0606030504020204" pitchFamily="34" charset="0"/>
                 <a:ea typeface="Open Sans" panose="020B0606030504020204" pitchFamily="34" charset="0"/>
@@ -5147,10 +5248,7 @@
             <a:r>
               <a:rPr lang="es-MX" sz="3600" b="1" dirty="0" err="1">
                 <a:solidFill>
-                  <a:schemeClr val="tx2">
-                    <a:lumMod val="90000"/>
-                    <a:lumOff val="10000"/>
-                  </a:schemeClr>
+                  <a:srgbClr val="C49A00"/>
                 </a:solidFill>
                 <a:latin typeface="Open Sans" panose="020B0606030504020204" pitchFamily="34" charset="0"/>
                 <a:ea typeface="Open Sans" panose="020B0606030504020204" pitchFamily="34" charset="0"/>
@@ -5160,10 +5258,7 @@
             </a:r>
             <a:endParaRPr lang="en-US" sz="3600" b="1" dirty="0">
               <a:solidFill>
-                <a:schemeClr val="tx2">
-                  <a:lumMod val="90000"/>
-                  <a:lumOff val="10000"/>
-                </a:schemeClr>
+                <a:srgbClr val="C49A00"/>
               </a:solidFill>
               <a:latin typeface="Open Sans" panose="020B0606030504020204" pitchFamily="34" charset="0"/>
               <a:ea typeface="Open Sans" panose="020B0606030504020204" pitchFamily="34" charset="0"/>
@@ -5245,9 +5340,7 @@
             <a:r>
               <a:rPr lang="es-MX" sz="3200" b="1" dirty="0" err="1">
                 <a:solidFill>
-                  <a:schemeClr val="accent3">
-                    <a:lumMod val="75000"/>
-                  </a:schemeClr>
+                  <a:srgbClr val="F8766D"/>
                 </a:solidFill>
                 <a:latin typeface="Open Sans" panose="020B0606030504020204" pitchFamily="34" charset="0"/>
                 <a:ea typeface="Open Sans" panose="020B0606030504020204" pitchFamily="34" charset="0"/>
@@ -5257,9 +5350,7 @@
             </a:r>
             <a:endParaRPr lang="en-US" sz="3200" b="1" dirty="0">
               <a:solidFill>
-                <a:schemeClr val="accent3">
-                  <a:lumMod val="75000"/>
-                </a:schemeClr>
+                <a:srgbClr val="F8766D"/>
               </a:solidFill>
               <a:latin typeface="Open Sans" panose="020B0606030504020204" pitchFamily="34" charset="0"/>
               <a:ea typeface="Open Sans" panose="020B0606030504020204" pitchFamily="34" charset="0"/>
